--- a/COWORK/LabMeeting/20230715/20230715_RFSoC_Meeting.pptx
+++ b/COWORK/LabMeeting/20230715/20230715_RFSoC_Meeting.pptx
@@ -5,13 +5,15 @@
     <p:sldMasterId id="2147483648" r:id="rId1"/>
   </p:sldMasterIdLst>
   <p:notesMasterIdLst>
-    <p:notesMasterId r:id="rId6"/>
+    <p:notesMasterId r:id="rId8"/>
   </p:notesMasterIdLst>
   <p:sldIdLst>
     <p:sldId id="256" r:id="rId2"/>
     <p:sldId id="257" r:id="rId3"/>
-    <p:sldId id="258" r:id="rId4"/>
+    <p:sldId id="261" r:id="rId4"/>
     <p:sldId id="259" r:id="rId5"/>
+    <p:sldId id="262" r:id="rId6"/>
+    <p:sldId id="263" r:id="rId7"/>
   </p:sldIdLst>
   <p:sldSz cx="12192000" cy="6858000"/>
   <p:notesSz cx="6858000" cy="9144000"/>
@@ -200,7 +202,7 @@
           <a:p>
             <a:fld id="{8ECD4658-FC5F-4C4A-9C84-93B50C1C7551}" type="datetimeFigureOut">
               <a:rPr kumimoji="1" lang="ko-Kore-KR" altLang="en-US" smtClean="0"/>
-              <a:t>07/07/2023</a:t>
+              <a:t>07/14/2023</a:t>
             </a:fld>
             <a:endParaRPr kumimoji="1" lang="ko-Kore-KR" altLang="en-US"/>
           </a:p>
@@ -4146,7 +4148,7 @@
           <p:cNvPr id="2" name="제목 1">
             <a:extLst>
               <a:ext uri="{FF2B5EF4-FFF2-40B4-BE49-F238E27FC236}">
-                <a16:creationId xmlns:a16="http://schemas.microsoft.com/office/drawing/2014/main" id="{F7A33A2D-49FA-43CD-B7BC-55B121433998}"/>
+                <a16:creationId xmlns:a16="http://schemas.microsoft.com/office/drawing/2014/main" id="{83BE9121-3013-E042-AF58-45A3EC52465F}"/>
               </a:ext>
             </a:extLst>
           </p:cNvPr>
@@ -4163,19 +4165,69 @@
           <a:lstStyle/>
           <a:p>
             <a:r>
-              <a:rPr lang="en-US" altLang="ko-KR" dirty="0"/>
-              <a:t>Simple DDS Experiment</a:t>
-            </a:r>
-            <a:endParaRPr lang="ko-KR" altLang="en-US" dirty="0"/>
-          </a:p>
-        </p:txBody>
-      </p:sp>
-      <p:sp>
-        <p:nvSpPr>
-          <p:cNvPr id="4" name="날짜 개체 틀 3">
-            <a:extLst>
-              <a:ext uri="{FF2B5EF4-FFF2-40B4-BE49-F238E27FC236}">
-                <a16:creationId xmlns:a16="http://schemas.microsoft.com/office/drawing/2014/main" id="{54C564DD-C75E-41B0-9C1E-84E00C5E9F5C}"/>
+              <a:rPr kumimoji="1" lang="en-US" altLang="ko-Kore-KR"/>
+              <a:t>Programming Progress</a:t>
+            </a:r>
+            <a:endParaRPr kumimoji="1" lang="ko-Kore-KR" altLang="en-US" dirty="0"/>
+          </a:p>
+        </p:txBody>
+      </p:sp>
+      <p:sp>
+        <p:nvSpPr>
+          <p:cNvPr id="3" name="내용 개체 틀 2">
+            <a:extLst>
+              <a:ext uri="{FF2B5EF4-FFF2-40B4-BE49-F238E27FC236}">
+                <a16:creationId xmlns:a16="http://schemas.microsoft.com/office/drawing/2014/main" id="{60F0D2A2-02E2-374D-AFCA-CDEA70E5F10E}"/>
+              </a:ext>
+            </a:extLst>
+          </p:cNvPr>
+          <p:cNvSpPr>
+            <a:spLocks noGrp="1"/>
+          </p:cNvSpPr>
+          <p:nvPr>
+            <p:ph idx="1"/>
+          </p:nvPr>
+        </p:nvSpPr>
+        <p:spPr/>
+        <p:txBody>
+          <a:bodyPr/>
+          <a:lstStyle/>
+          <a:p>
+            <a:pPr marL="0" indent="0">
+              <a:buNone/>
+            </a:pPr>
+            <a:r>
+              <a:rPr kumimoji="1" lang="en-US" altLang="en-US"/>
+              <a:t>-Signal Output Check Done</a:t>
+            </a:r>
+          </a:p>
+          <a:p>
+            <a:pPr marL="0" indent="0">
+              <a:buNone/>
+            </a:pPr>
+            <a:r>
+              <a:rPr kumimoji="1" lang="en-US" altLang="en-US"/>
+              <a:t>-TCP/IP is being studied(Using lwip)</a:t>
+            </a:r>
+            <a:endParaRPr kumimoji="1" lang="en-US" altLang="en-US" dirty="0"/>
+          </a:p>
+          <a:p>
+            <a:pPr marL="0" indent="0">
+              <a:buNone/>
+            </a:pPr>
+            <a:r>
+              <a:rPr kumimoji="1" lang="en-US" altLang="en-US"/>
+              <a:t>-Spline Engine &amp; LUT is considered -&gt; After Paper Study</a:t>
+            </a:r>
+          </a:p>
+        </p:txBody>
+      </p:sp>
+      <p:sp>
+        <p:nvSpPr>
+          <p:cNvPr id="7" name="날짜 개체 틀 6">
+            <a:extLst>
+              <a:ext uri="{FF2B5EF4-FFF2-40B4-BE49-F238E27FC236}">
+                <a16:creationId xmlns:a16="http://schemas.microsoft.com/office/drawing/2014/main" id="{94F9C8E4-A9E1-AD45-A7D9-45AAD4A109F4}"/>
               </a:ext>
             </a:extLst>
           </p:cNvPr>
@@ -4195,7 +4247,7 @@
               <a:rPr kumimoji="1" lang="en-US" altLang="ko-KR">
                 <a:ea typeface="Verdana" panose="020B0604030504040204" pitchFamily="34" charset="0"/>
               </a:rPr>
-              <a:t>2023. 3. 29.</a:t>
+              <a:t>2023. 2. 1.</a:t>
             </a:r>
             <a:endParaRPr kumimoji="1" lang="ko-Kore-KR" altLang="en-US" dirty="0"/>
           </a:p>
@@ -4203,10 +4255,10 @@
       </p:sp>
       <p:pic>
         <p:nvPicPr>
-          <p:cNvPr id="6" name="그림 5">
-            <a:extLst>
-              <a:ext uri="{FF2B5EF4-FFF2-40B4-BE49-F238E27FC236}">
-                <a16:creationId xmlns:a16="http://schemas.microsoft.com/office/drawing/2014/main" id="{D11D62DC-3646-4695-AAB3-33EC61ED387F}"/>
+          <p:cNvPr id="4" name="그림 6">
+            <a:extLst>
+              <a:ext uri="{FF2B5EF4-FFF2-40B4-BE49-F238E27FC236}">
+                <a16:creationId xmlns:a16="http://schemas.microsoft.com/office/drawing/2014/main" id="{01B1B08C-07D1-428E-D0A6-B9FDB30C65CC}"/>
               </a:ext>
             </a:extLst>
           </p:cNvPr>
@@ -4223,8 +4275,38 @@
         </p:blipFill>
         <p:spPr>
           <a:xfrm>
-            <a:off x="450376" y="1302194"/>
-            <a:ext cx="11291248" cy="4622355"/>
+            <a:off x="5895257" y="3637844"/>
+            <a:ext cx="5931513" cy="2424289"/>
+          </a:xfrm>
+          <a:prstGeom prst="rect">
+            <a:avLst/>
+          </a:prstGeom>
+        </p:spPr>
+      </p:pic>
+      <p:pic>
+        <p:nvPicPr>
+          <p:cNvPr id="5" name="그림 6">
+            <a:extLst>
+              <a:ext uri="{FF2B5EF4-FFF2-40B4-BE49-F238E27FC236}">
+                <a16:creationId xmlns:a16="http://schemas.microsoft.com/office/drawing/2014/main" id="{81A9F791-8341-B2AC-98D8-C48464D8C8DE}"/>
+              </a:ext>
+            </a:extLst>
+          </p:cNvPr>
+          <p:cNvPicPr>
+            <a:picLocks noChangeAspect="1"/>
+          </p:cNvPicPr>
+          <p:nvPr/>
+        </p:nvPicPr>
+        <p:blipFill>
+          <a:blip r:embed="rId3"/>
+          <a:stretch>
+            <a:fillRect/>
+          </a:stretch>
+        </p:blipFill>
+        <p:spPr>
+          <a:xfrm>
+            <a:off x="346769" y="3429000"/>
+            <a:ext cx="5376966" cy="2689359"/>
           </a:xfrm>
           <a:prstGeom prst="rect">
             <a:avLst/>
@@ -4234,7 +4316,7 @@
     </p:spTree>
     <p:extLst>
       <p:ext uri="{BB962C8B-B14F-4D97-AF65-F5344CB8AC3E}">
-        <p14:creationId xmlns:p14="http://schemas.microsoft.com/office/powerpoint/2010/main" val="1509826114"/>
+        <p14:creationId xmlns:p14="http://schemas.microsoft.com/office/powerpoint/2010/main" val="837834943"/>
       </p:ext>
     </p:extLst>
   </p:cSld>
@@ -4266,7 +4348,7 @@
           <p:cNvPr id="2" name="제목 1">
             <a:extLst>
               <a:ext uri="{FF2B5EF4-FFF2-40B4-BE49-F238E27FC236}">
-                <a16:creationId xmlns:a16="http://schemas.microsoft.com/office/drawing/2014/main" id="{DC9E723C-07A4-44D0-B964-E620D685CE28}"/>
+                <a16:creationId xmlns:a16="http://schemas.microsoft.com/office/drawing/2014/main" id="{0F956FEE-3484-E2FC-0133-CCD37BECFDB1}"/>
               </a:ext>
             </a:extLst>
           </p:cNvPr>
@@ -4283,10 +4365,10 @@
           <a:lstStyle/>
           <a:p>
             <a:r>
-              <a:rPr lang="en-US" altLang="ko-KR" dirty="0"/>
+              <a:rPr lang="en-US" altLang="ko-KR"/>
               <a:t>Consideration</a:t>
             </a:r>
-            <a:endParaRPr lang="ko-KR" altLang="en-US" dirty="0"/>
+            <a:endParaRPr lang="ko-KR" altLang="en-US"/>
           </a:p>
         </p:txBody>
       </p:sp>
@@ -4295,7 +4377,7 @@
           <p:cNvPr id="3" name="내용 개체 틀 2">
             <a:extLst>
               <a:ext uri="{FF2B5EF4-FFF2-40B4-BE49-F238E27FC236}">
-                <a16:creationId xmlns:a16="http://schemas.microsoft.com/office/drawing/2014/main" id="{D1EF845E-E78E-46ED-B1A2-569CB6E1D0A5}"/>
+                <a16:creationId xmlns:a16="http://schemas.microsoft.com/office/drawing/2014/main" id="{5AA45C2C-493A-D61B-3F10-617AB78EDE51}"/>
               </a:ext>
             </a:extLst>
           </p:cNvPr>
@@ -4315,10 +4397,37 @@
               <a:buNone/>
             </a:pPr>
             <a:r>
-              <a:rPr lang="en-US" altLang="ko-KR" dirty="0"/>
-              <a:t>Notice that CPU is 64 bit based</a:t>
-            </a:r>
-            <a:endParaRPr lang="ko-KR" altLang="en-US" dirty="0"/>
+              <a:rPr lang="en-US" altLang="ko-KR"/>
+              <a:t>-Using FreeRTOS?</a:t>
+            </a:r>
+          </a:p>
+          <a:p>
+            <a:pPr marL="0" indent="0">
+              <a:buNone/>
+            </a:pPr>
+            <a:r>
+              <a:rPr lang="en-US" altLang="ko-KR"/>
+              <a:t>-Is 128bit AXI interface natural for  64bit CPU?</a:t>
+            </a:r>
+          </a:p>
+          <a:p>
+            <a:pPr marL="0" indent="0">
+              <a:buNone/>
+            </a:pPr>
+            <a:r>
+              <a:rPr lang="en-US" altLang="ko-KR"/>
+              <a:t>-Spline Engine?</a:t>
+            </a:r>
+          </a:p>
+          <a:p>
+            <a:pPr marL="0" indent="0">
+              <a:buNone/>
+            </a:pPr>
+            <a:r>
+              <a:rPr lang="en-US" altLang="ko-KR"/>
+              <a:t>-FMC to BNC PCB</a:t>
+            </a:r>
+            <a:endParaRPr lang="ko-KR" altLang="en-US"/>
           </a:p>
         </p:txBody>
       </p:sp>
@@ -4327,7 +4436,7 @@
           <p:cNvPr id="4" name="날짜 개체 틀 3">
             <a:extLst>
               <a:ext uri="{FF2B5EF4-FFF2-40B4-BE49-F238E27FC236}">
-                <a16:creationId xmlns:a16="http://schemas.microsoft.com/office/drawing/2014/main" id="{B83A6C80-6318-4952-9C17-A2D3FB02A79A}"/>
+                <a16:creationId xmlns:a16="http://schemas.microsoft.com/office/drawing/2014/main" id="{6F9F30AF-D6FA-6882-BEC9-6A83B6CE2B21}"/>
               </a:ext>
             </a:extLst>
           </p:cNvPr>
@@ -4347,7 +4456,7 @@
               <a:rPr kumimoji="1" lang="en-US" altLang="ko-KR">
                 <a:ea typeface="Verdana" panose="020B0604030504040204" pitchFamily="34" charset="0"/>
               </a:rPr>
-              <a:t>2023. 3. 29.</a:t>
+              <a:t>2023. 2. 1.</a:t>
             </a:r>
             <a:endParaRPr kumimoji="1" lang="ko-Kore-KR" altLang="en-US" dirty="0"/>
           </a:p>
@@ -4356,7 +4465,7 @@
     </p:spTree>
     <p:extLst>
       <p:ext uri="{BB962C8B-B14F-4D97-AF65-F5344CB8AC3E}">
-        <p14:creationId xmlns:p14="http://schemas.microsoft.com/office/powerpoint/2010/main" val="3894877106"/>
+        <p14:creationId xmlns:p14="http://schemas.microsoft.com/office/powerpoint/2010/main" val="786524225"/>
       </p:ext>
     </p:extLst>
   </p:cSld>
@@ -4514,10 +4623,10 @@
       </p:sp>
       <p:sp>
         <p:nvSpPr>
-          <p:cNvPr id="6" name="직사각형 5">
-            <a:extLst>
-              <a:ext uri="{FF2B5EF4-FFF2-40B4-BE49-F238E27FC236}">
-                <a16:creationId xmlns:a16="http://schemas.microsoft.com/office/drawing/2014/main" id="{6220B5EC-565B-4E1F-BB87-A232BBC616E7}"/>
+          <p:cNvPr id="7" name="직사각형 6">
+            <a:extLst>
+              <a:ext uri="{FF2B5EF4-FFF2-40B4-BE49-F238E27FC236}">
+                <a16:creationId xmlns:a16="http://schemas.microsoft.com/office/drawing/2014/main" id="{E8FA8DC8-78BF-4E27-8F4E-834C89537032}"/>
               </a:ext>
             </a:extLst>
           </p:cNvPr>
@@ -4526,58 +4635,8 @@
         </p:nvSpPr>
         <p:spPr>
           <a:xfrm>
-            <a:off x="1591238" y="3068173"/>
-            <a:ext cx="913126" cy="1282889"/>
-          </a:xfrm>
-          <a:prstGeom prst="rect">
-            <a:avLst/>
-          </a:prstGeom>
-        </p:spPr>
-        <p:style>
-          <a:lnRef idx="2">
-            <a:schemeClr val="accent1">
-              <a:shade val="50000"/>
-            </a:schemeClr>
-          </a:lnRef>
-          <a:fillRef idx="1">
-            <a:schemeClr val="accent1"/>
-          </a:fillRef>
-          <a:effectRef idx="0">
-            <a:schemeClr val="accent1"/>
-          </a:effectRef>
-          <a:fontRef idx="minor">
-            <a:schemeClr val="lt1"/>
-          </a:fontRef>
-        </p:style>
-        <p:txBody>
-          <a:bodyPr rtlCol="0" anchor="ctr"/>
-          <a:lstStyle/>
-          <a:p>
-            <a:pPr algn="ctr"/>
-            <a:r>
-              <a:rPr lang="en-US" altLang="ko-KR" dirty="0"/>
-              <a:t>Exp.py</a:t>
-            </a:r>
-            <a:endParaRPr lang="ko-KR" altLang="en-US" dirty="0"/>
-          </a:p>
-        </p:txBody>
-      </p:sp>
-      <p:sp>
-        <p:nvSpPr>
-          <p:cNvPr id="7" name="직사각형 6">
-            <a:extLst>
-              <a:ext uri="{FF2B5EF4-FFF2-40B4-BE49-F238E27FC236}">
-                <a16:creationId xmlns:a16="http://schemas.microsoft.com/office/drawing/2014/main" id="{E8FA8DC8-78BF-4E27-8F4E-834C89537032}"/>
-              </a:ext>
-            </a:extLst>
-          </p:cNvPr>
-          <p:cNvSpPr/>
-          <p:nvPr/>
-        </p:nvSpPr>
-        <p:spPr>
-          <a:xfrm>
-            <a:off x="3548415" y="3068174"/>
-            <a:ext cx="913126" cy="644018"/>
+            <a:off x="3920409" y="3068174"/>
+            <a:ext cx="913126" cy="1282888"/>
           </a:xfrm>
           <a:prstGeom prst="rect">
             <a:avLst/>
@@ -4664,10 +4723,10 @@
       </p:sp>
       <p:sp>
         <p:nvSpPr>
-          <p:cNvPr id="9" name="화살표: 오른쪽 8">
-            <a:extLst>
-              <a:ext uri="{FF2B5EF4-FFF2-40B4-BE49-F238E27FC236}">
-                <a16:creationId xmlns:a16="http://schemas.microsoft.com/office/drawing/2014/main" id="{BC34EC2D-E365-4294-8AFC-5D4D83260410}"/>
+          <p:cNvPr id="10" name="화살표: 오른쪽 9">
+            <a:extLst>
+              <a:ext uri="{FF2B5EF4-FFF2-40B4-BE49-F238E27FC236}">
+                <a16:creationId xmlns:a16="http://schemas.microsoft.com/office/drawing/2014/main" id="{0C5C919A-C5F5-4DB1-B450-50920AD070FF}"/>
               </a:ext>
             </a:extLst>
           </p:cNvPr>
@@ -4676,8 +4735,8 @@
         </p:nvSpPr>
         <p:spPr>
           <a:xfrm>
-            <a:off x="2569827" y="3161930"/>
-            <a:ext cx="913125" cy="365125"/>
+            <a:off x="4904378" y="3527055"/>
+            <a:ext cx="575981" cy="365125"/>
           </a:xfrm>
           <a:prstGeom prst="rightArrow">
             <a:avLst/>
@@ -4710,10 +4769,10 @@
       </p:sp>
       <p:sp>
         <p:nvSpPr>
-          <p:cNvPr id="10" name="화살표: 오른쪽 9">
-            <a:extLst>
-              <a:ext uri="{FF2B5EF4-FFF2-40B4-BE49-F238E27FC236}">
-                <a16:creationId xmlns:a16="http://schemas.microsoft.com/office/drawing/2014/main" id="{0C5C919A-C5F5-4DB1-B450-50920AD070FF}"/>
+          <p:cNvPr id="11" name="직사각형 10">
+            <a:extLst>
+              <a:ext uri="{FF2B5EF4-FFF2-40B4-BE49-F238E27FC236}">
+                <a16:creationId xmlns:a16="http://schemas.microsoft.com/office/drawing/2014/main" id="{659F253E-BB9D-483E-8C47-A0C474F46E45}"/>
               </a:ext>
             </a:extLst>
           </p:cNvPr>
@@ -4722,54 +4781,8 @@
         </p:nvSpPr>
         <p:spPr>
           <a:xfrm>
-            <a:off x="4552166" y="3161930"/>
-            <a:ext cx="913126" cy="365125"/>
-          </a:xfrm>
-          <a:prstGeom prst="rightArrow">
-            <a:avLst/>
-          </a:prstGeom>
-        </p:spPr>
-        <p:style>
-          <a:lnRef idx="2">
-            <a:schemeClr val="accent1">
-              <a:shade val="50000"/>
-            </a:schemeClr>
-          </a:lnRef>
-          <a:fillRef idx="1">
-            <a:schemeClr val="accent1"/>
-          </a:fillRef>
-          <a:effectRef idx="0">
-            <a:schemeClr val="accent1"/>
-          </a:effectRef>
-          <a:fontRef idx="minor">
-            <a:schemeClr val="lt1"/>
-          </a:fontRef>
-        </p:style>
-        <p:txBody>
-          <a:bodyPr rtlCol="0" anchor="ctr"/>
-          <a:lstStyle/>
-          <a:p>
-            <a:pPr algn="ctr"/>
-            <a:endParaRPr lang="ko-KR" altLang="en-US"/>
-          </a:p>
-        </p:txBody>
-      </p:sp>
-      <p:sp>
-        <p:nvSpPr>
-          <p:cNvPr id="11" name="직사각형 10">
-            <a:extLst>
-              <a:ext uri="{FF2B5EF4-FFF2-40B4-BE49-F238E27FC236}">
-                <a16:creationId xmlns:a16="http://schemas.microsoft.com/office/drawing/2014/main" id="{659F253E-BB9D-483E-8C47-A0C474F46E45}"/>
-              </a:ext>
-            </a:extLst>
-          </p:cNvPr>
-          <p:cNvSpPr/>
-          <p:nvPr/>
-        </p:nvSpPr>
-        <p:spPr>
-          <a:xfrm>
-            <a:off x="1440476" y="2713331"/>
-            <a:ext cx="5151393" cy="1951630"/>
+            <a:off x="3757979" y="2713331"/>
+            <a:ext cx="2833890" cy="1951630"/>
           </a:xfrm>
           <a:prstGeom prst="rect">
             <a:avLst/>
@@ -4870,7 +4883,7 @@
           </a:prstGeom>
         </p:spPr>
         <p:txBody>
-          <a:bodyPr wrap="none">
+          <a:bodyPr wrap="square">
             <a:spAutoFit/>
           </a:bodyPr>
           <a:lstStyle/>
@@ -4885,10 +4898,10 @@
       </p:sp>
       <p:sp>
         <p:nvSpPr>
-          <p:cNvPr id="16" name="화살표: 오른쪽 15">
-            <a:extLst>
-              <a:ext uri="{FF2B5EF4-FFF2-40B4-BE49-F238E27FC236}">
-                <a16:creationId xmlns:a16="http://schemas.microsoft.com/office/drawing/2014/main" id="{87236628-3161-43F0-8A15-D8AFA383EBAD}"/>
+          <p:cNvPr id="15" name="직사각형 14">
+            <a:extLst>
+              <a:ext uri="{FF2B5EF4-FFF2-40B4-BE49-F238E27FC236}">
+                <a16:creationId xmlns:a16="http://schemas.microsoft.com/office/drawing/2014/main" id="{88C028CC-22B9-412A-936D-C0C96A3C7F7A}"/>
               </a:ext>
             </a:extLst>
           </p:cNvPr>
@@ -4897,8 +4910,108 @@
         </p:nvSpPr>
         <p:spPr>
           <a:xfrm>
-            <a:off x="2569827" y="3935352"/>
-            <a:ext cx="2895465" cy="365125"/>
+            <a:off x="219638" y="3068174"/>
+            <a:ext cx="913126" cy="1282888"/>
+          </a:xfrm>
+          <a:prstGeom prst="rect">
+            <a:avLst/>
+          </a:prstGeom>
+        </p:spPr>
+        <p:style>
+          <a:lnRef idx="2">
+            <a:schemeClr val="accent1">
+              <a:shade val="50000"/>
+            </a:schemeClr>
+          </a:lnRef>
+          <a:fillRef idx="1">
+            <a:schemeClr val="accent1"/>
+          </a:fillRef>
+          <a:effectRef idx="0">
+            <a:schemeClr val="accent1"/>
+          </a:effectRef>
+          <a:fontRef idx="minor">
+            <a:schemeClr val="lt1"/>
+          </a:fontRef>
+        </p:style>
+        <p:txBody>
+          <a:bodyPr rtlCol="0" anchor="ctr"/>
+          <a:lstStyle/>
+          <a:p>
+            <a:pPr algn="ctr"/>
+            <a:r>
+              <a:rPr lang="en-US" altLang="ko-KR" dirty="0"/>
+              <a:t>Exp.py</a:t>
+            </a:r>
+            <a:endParaRPr lang="ko-KR" altLang="en-US" dirty="0"/>
+          </a:p>
+        </p:txBody>
+      </p:sp>
+      <p:sp>
+        <p:nvSpPr>
+          <p:cNvPr id="17" name="직사각형 16">
+            <a:extLst>
+              <a:ext uri="{FF2B5EF4-FFF2-40B4-BE49-F238E27FC236}">
+                <a16:creationId xmlns:a16="http://schemas.microsoft.com/office/drawing/2014/main" id="{3B669519-C91C-4C89-AB35-C5B679493D79}"/>
+              </a:ext>
+            </a:extLst>
+          </p:cNvPr>
+          <p:cNvSpPr/>
+          <p:nvPr/>
+        </p:nvSpPr>
+        <p:spPr>
+          <a:xfrm>
+            <a:off x="1937088" y="3068174"/>
+            <a:ext cx="913126" cy="1282888"/>
+          </a:xfrm>
+          <a:prstGeom prst="rect">
+            <a:avLst/>
+          </a:prstGeom>
+        </p:spPr>
+        <p:style>
+          <a:lnRef idx="2">
+            <a:schemeClr val="accent1">
+              <a:shade val="50000"/>
+            </a:schemeClr>
+          </a:lnRef>
+          <a:fillRef idx="1">
+            <a:schemeClr val="accent1"/>
+          </a:fillRef>
+          <a:effectRef idx="0">
+            <a:schemeClr val="accent1"/>
+          </a:effectRef>
+          <a:fontRef idx="minor">
+            <a:schemeClr val="lt1"/>
+          </a:fontRef>
+        </p:style>
+        <p:txBody>
+          <a:bodyPr rtlCol="0" anchor="ctr"/>
+          <a:lstStyle/>
+          <a:p>
+            <a:pPr algn="ctr"/>
+            <a:r>
+              <a:rPr lang="en-US" altLang="ko-KR" dirty="0"/>
+              <a:t>AST</a:t>
+            </a:r>
+            <a:endParaRPr lang="ko-KR" altLang="en-US" dirty="0"/>
+          </a:p>
+        </p:txBody>
+      </p:sp>
+      <p:sp>
+        <p:nvSpPr>
+          <p:cNvPr id="18" name="화살표: 오른쪽 17">
+            <a:extLst>
+              <a:ext uri="{FF2B5EF4-FFF2-40B4-BE49-F238E27FC236}">
+                <a16:creationId xmlns:a16="http://schemas.microsoft.com/office/drawing/2014/main" id="{ABBE5823-D958-4C4E-838F-4356C6E73114}"/>
+              </a:ext>
+            </a:extLst>
+          </p:cNvPr>
+          <p:cNvSpPr/>
+          <p:nvPr/>
+        </p:nvSpPr>
+        <p:spPr>
+          <a:xfrm>
+            <a:off x="2917248" y="3527055"/>
+            <a:ext cx="575981" cy="365125"/>
           </a:xfrm>
           <a:prstGeom prst="rightArrow">
             <a:avLst/>
@@ -4929,10 +5042,449 @@
           </a:p>
         </p:txBody>
       </p:sp>
+      <p:sp>
+        <p:nvSpPr>
+          <p:cNvPr id="19" name="화살표: 오른쪽 18">
+            <a:extLst>
+              <a:ext uri="{FF2B5EF4-FFF2-40B4-BE49-F238E27FC236}">
+                <a16:creationId xmlns:a16="http://schemas.microsoft.com/office/drawing/2014/main" id="{058F8B3D-CBFF-4232-A8B2-44B7A0BD5982}"/>
+              </a:ext>
+            </a:extLst>
+          </p:cNvPr>
+          <p:cNvSpPr/>
+          <p:nvPr/>
+        </p:nvSpPr>
+        <p:spPr>
+          <a:xfrm>
+            <a:off x="1288534" y="3527055"/>
+            <a:ext cx="575981" cy="365125"/>
+          </a:xfrm>
+          <a:prstGeom prst="rightArrow">
+            <a:avLst/>
+          </a:prstGeom>
+        </p:spPr>
+        <p:style>
+          <a:lnRef idx="2">
+            <a:schemeClr val="accent1">
+              <a:shade val="50000"/>
+            </a:schemeClr>
+          </a:lnRef>
+          <a:fillRef idx="1">
+            <a:schemeClr val="accent1"/>
+          </a:fillRef>
+          <a:effectRef idx="0">
+            <a:schemeClr val="accent1"/>
+          </a:effectRef>
+          <a:fontRef idx="minor">
+            <a:schemeClr val="lt1"/>
+          </a:fontRef>
+        </p:style>
+        <p:txBody>
+          <a:bodyPr rtlCol="0" anchor="ctr"/>
+          <a:lstStyle/>
+          <a:p>
+            <a:pPr algn="ctr"/>
+            <a:endParaRPr lang="ko-KR" altLang="en-US"/>
+          </a:p>
+        </p:txBody>
+      </p:sp>
+      <p:sp>
+        <p:nvSpPr>
+          <p:cNvPr id="20" name="직사각형 19">
+            <a:extLst>
+              <a:ext uri="{FF2B5EF4-FFF2-40B4-BE49-F238E27FC236}">
+                <a16:creationId xmlns:a16="http://schemas.microsoft.com/office/drawing/2014/main" id="{DF115DC1-D0DB-49D9-AA77-F10870CD91DA}"/>
+              </a:ext>
+            </a:extLst>
+          </p:cNvPr>
+          <p:cNvSpPr/>
+          <p:nvPr/>
+        </p:nvSpPr>
+        <p:spPr>
+          <a:xfrm>
+            <a:off x="3654538" y="2120900"/>
+            <a:ext cx="6746762" cy="3136492"/>
+          </a:xfrm>
+          <a:prstGeom prst="rect">
+            <a:avLst/>
+          </a:prstGeom>
+          <a:noFill/>
+          <a:ln w="28575"/>
+        </p:spPr>
+        <p:style>
+          <a:lnRef idx="2">
+            <a:schemeClr val="accent1">
+              <a:shade val="50000"/>
+            </a:schemeClr>
+          </a:lnRef>
+          <a:fillRef idx="1">
+            <a:schemeClr val="accent1"/>
+          </a:fillRef>
+          <a:effectRef idx="0">
+            <a:schemeClr val="accent1"/>
+          </a:effectRef>
+          <a:fontRef idx="minor">
+            <a:schemeClr val="lt1"/>
+          </a:fontRef>
+        </p:style>
+        <p:txBody>
+          <a:bodyPr rtlCol="0" anchor="ctr"/>
+          <a:lstStyle/>
+          <a:p>
+            <a:pPr algn="ctr"/>
+            <a:endParaRPr lang="ko-KR" altLang="en-US"/>
+          </a:p>
+        </p:txBody>
+      </p:sp>
+      <p:sp>
+        <p:nvSpPr>
+          <p:cNvPr id="21" name="직사각형 20">
+            <a:extLst>
+              <a:ext uri="{FF2B5EF4-FFF2-40B4-BE49-F238E27FC236}">
+                <a16:creationId xmlns:a16="http://schemas.microsoft.com/office/drawing/2014/main" id="{84AE1788-7720-4B40-B5B2-5EBC34BB6551}"/>
+              </a:ext>
+            </a:extLst>
+          </p:cNvPr>
+          <p:cNvSpPr/>
+          <p:nvPr/>
+        </p:nvSpPr>
+        <p:spPr>
+          <a:xfrm>
+            <a:off x="4925275" y="2232079"/>
+            <a:ext cx="534185" cy="369332"/>
+          </a:xfrm>
+          <a:prstGeom prst="rect">
+            <a:avLst/>
+          </a:prstGeom>
+        </p:spPr>
+        <p:txBody>
+          <a:bodyPr wrap="square">
+            <a:spAutoFit/>
+          </a:bodyPr>
+          <a:lstStyle/>
+          <a:p>
+            <a:pPr algn="ctr"/>
+            <a:r>
+              <a:rPr lang="en-US" altLang="ko-KR" dirty="0"/>
+              <a:t>PC</a:t>
+            </a:r>
+            <a:endParaRPr lang="ko-KR" altLang="en-US" dirty="0"/>
+          </a:p>
+        </p:txBody>
+      </p:sp>
     </p:spTree>
     <p:extLst>
       <p:ext uri="{BB962C8B-B14F-4D97-AF65-F5344CB8AC3E}">
         <p14:creationId xmlns:p14="http://schemas.microsoft.com/office/powerpoint/2010/main" val="3606156731"/>
+      </p:ext>
+    </p:extLst>
+  </p:cSld>
+  <p:clrMapOvr>
+    <a:masterClrMapping/>
+  </p:clrMapOvr>
+</p:sld>
+</file>
+
+<file path=ppt/slides/slide5.xml><?xml version="1.0" encoding="utf-8"?>
+<p:sld xmlns:a="http://schemas.openxmlformats.org/drawingml/2006/main" xmlns:r="http://schemas.openxmlformats.org/officeDocument/2006/relationships" xmlns:p="http://schemas.openxmlformats.org/presentationml/2006/main">
+  <p:cSld>
+    <p:spTree>
+      <p:nvGrpSpPr>
+        <p:cNvPr id="1" name=""/>
+        <p:cNvGrpSpPr/>
+        <p:nvPr/>
+      </p:nvGrpSpPr>
+      <p:grpSpPr>
+        <a:xfrm>
+          <a:off x="0" y="0"/>
+          <a:ext cx="0" cy="0"/>
+          <a:chOff x="0" y="0"/>
+          <a:chExt cx="0" cy="0"/>
+        </a:xfrm>
+      </p:grpSpPr>
+      <p:sp>
+        <p:nvSpPr>
+          <p:cNvPr id="2" name="제목 1">
+            <a:extLst>
+              <a:ext uri="{FF2B5EF4-FFF2-40B4-BE49-F238E27FC236}">
+                <a16:creationId xmlns:a16="http://schemas.microsoft.com/office/drawing/2014/main" id="{8C2B4795-B975-9A22-41C4-5F42ABBADBBF}"/>
+              </a:ext>
+            </a:extLst>
+          </p:cNvPr>
+          <p:cNvSpPr>
+            <a:spLocks noGrp="1"/>
+          </p:cNvSpPr>
+          <p:nvPr>
+            <p:ph type="title"/>
+          </p:nvPr>
+        </p:nvSpPr>
+        <p:spPr/>
+        <p:txBody>
+          <a:bodyPr/>
+          <a:lstStyle/>
+          <a:p>
+            <a:r>
+              <a:rPr lang="en-US" altLang="ko-KR"/>
+              <a:t>High Data Rate Isolator</a:t>
+            </a:r>
+            <a:endParaRPr lang="ko-KR" altLang="en-US"/>
+          </a:p>
+        </p:txBody>
+      </p:sp>
+      <p:sp>
+        <p:nvSpPr>
+          <p:cNvPr id="3" name="내용 개체 틀 2">
+            <a:extLst>
+              <a:ext uri="{FF2B5EF4-FFF2-40B4-BE49-F238E27FC236}">
+                <a16:creationId xmlns:a16="http://schemas.microsoft.com/office/drawing/2014/main" id="{E94E12D0-2C57-4F0C-03B7-781E91D7EAE2}"/>
+              </a:ext>
+            </a:extLst>
+          </p:cNvPr>
+          <p:cNvSpPr>
+            <a:spLocks noGrp="1"/>
+          </p:cNvSpPr>
+          <p:nvPr>
+            <p:ph idx="1"/>
+          </p:nvPr>
+        </p:nvSpPr>
+        <p:spPr/>
+        <p:txBody>
+          <a:bodyPr/>
+          <a:lstStyle/>
+          <a:p>
+            <a:pPr marL="0" indent="0">
+              <a:buNone/>
+            </a:pPr>
+            <a:r>
+              <a:rPr lang="en-US" altLang="ko-KR"/>
+              <a:t>-All requires LVDS</a:t>
+            </a:r>
+            <a:endParaRPr lang="ko-KR" altLang="en-US"/>
+          </a:p>
+        </p:txBody>
+      </p:sp>
+      <p:sp>
+        <p:nvSpPr>
+          <p:cNvPr id="4" name="날짜 개체 틀 3">
+            <a:extLst>
+              <a:ext uri="{FF2B5EF4-FFF2-40B4-BE49-F238E27FC236}">
+                <a16:creationId xmlns:a16="http://schemas.microsoft.com/office/drawing/2014/main" id="{4C7579F6-AFDD-A71A-75ED-58D13D99D5F0}"/>
+              </a:ext>
+            </a:extLst>
+          </p:cNvPr>
+          <p:cNvSpPr>
+            <a:spLocks noGrp="1"/>
+          </p:cNvSpPr>
+          <p:nvPr>
+            <p:ph type="dt" sz="half" idx="10"/>
+          </p:nvPr>
+        </p:nvSpPr>
+        <p:spPr/>
+        <p:txBody>
+          <a:bodyPr/>
+          <a:lstStyle/>
+          <a:p>
+            <a:r>
+              <a:rPr kumimoji="1" lang="en-US" altLang="ko-KR">
+                <a:ea typeface="Verdana" panose="020B0604030504040204" pitchFamily="34" charset="0"/>
+              </a:rPr>
+              <a:t>2023. 2. 1.</a:t>
+            </a:r>
+            <a:endParaRPr kumimoji="1" lang="ko-Kore-KR" altLang="en-US" dirty="0"/>
+          </a:p>
+        </p:txBody>
+      </p:sp>
+      <p:pic>
+        <p:nvPicPr>
+          <p:cNvPr id="1026" name="Picture 2" descr="LVDS란?0 : 네이버 블로그">
+            <a:extLst>
+              <a:ext uri="{FF2B5EF4-FFF2-40B4-BE49-F238E27FC236}">
+                <a16:creationId xmlns:a16="http://schemas.microsoft.com/office/drawing/2014/main" id="{857025AC-103C-445C-A3BF-757CECA11305}"/>
+              </a:ext>
+            </a:extLst>
+          </p:cNvPr>
+          <p:cNvPicPr>
+            <a:picLocks noChangeAspect="1" noChangeArrowheads="1"/>
+          </p:cNvPicPr>
+          <p:nvPr/>
+        </p:nvPicPr>
+        <p:blipFill>
+          <a:blip r:embed="rId2">
+            <a:extLst>
+              <a:ext uri="{28A0092B-C50C-407E-A947-70E740481C1C}">
+                <a14:useLocalDpi xmlns:a14="http://schemas.microsoft.com/office/drawing/2010/main" val="0"/>
+              </a:ext>
+            </a:extLst>
+          </a:blip>
+          <a:srcRect/>
+          <a:stretch>
+            <a:fillRect/>
+          </a:stretch>
+        </p:blipFill>
+        <p:spPr bwMode="auto">
+          <a:xfrm>
+            <a:off x="0" y="1882775"/>
+            <a:ext cx="7048500" cy="1466850"/>
+          </a:xfrm>
+          <a:prstGeom prst="rect">
+            <a:avLst/>
+          </a:prstGeom>
+          <a:noFill/>
+          <a:extLst>
+            <a:ext uri="{909E8E84-426E-40DD-AFC4-6F175D3DCCD1}">
+              <a14:hiddenFill xmlns:a14="http://schemas.microsoft.com/office/drawing/2010/main">
+                <a:solidFill>
+                  <a:srgbClr val="FFFFFF"/>
+                </a:solidFill>
+              </a14:hiddenFill>
+            </a:ext>
+          </a:extLst>
+        </p:spPr>
+      </p:pic>
+    </p:spTree>
+    <p:extLst>
+      <p:ext uri="{BB962C8B-B14F-4D97-AF65-F5344CB8AC3E}">
+        <p14:creationId xmlns:p14="http://schemas.microsoft.com/office/powerpoint/2010/main" val="4113993075"/>
+      </p:ext>
+    </p:extLst>
+  </p:cSld>
+  <p:clrMapOvr>
+    <a:masterClrMapping/>
+  </p:clrMapOvr>
+</p:sld>
+</file>
+
+<file path=ppt/slides/slide6.xml><?xml version="1.0" encoding="utf-8"?>
+<p:sld xmlns:a="http://schemas.openxmlformats.org/drawingml/2006/main" xmlns:r="http://schemas.openxmlformats.org/officeDocument/2006/relationships" xmlns:p="http://schemas.openxmlformats.org/presentationml/2006/main">
+  <p:cSld>
+    <p:spTree>
+      <p:nvGrpSpPr>
+        <p:cNvPr id="1" name=""/>
+        <p:cNvGrpSpPr/>
+        <p:nvPr/>
+      </p:nvGrpSpPr>
+      <p:grpSpPr>
+        <a:xfrm>
+          <a:off x="0" y="0"/>
+          <a:ext cx="0" cy="0"/>
+          <a:chOff x="0" y="0"/>
+          <a:chExt cx="0" cy="0"/>
+        </a:xfrm>
+      </p:grpSpPr>
+      <p:sp>
+        <p:nvSpPr>
+          <p:cNvPr id="2" name="제목 1">
+            <a:extLst>
+              <a:ext uri="{FF2B5EF4-FFF2-40B4-BE49-F238E27FC236}">
+                <a16:creationId xmlns:a16="http://schemas.microsoft.com/office/drawing/2014/main" id="{B4171057-1475-24B2-80F6-1F3248604526}"/>
+              </a:ext>
+            </a:extLst>
+          </p:cNvPr>
+          <p:cNvSpPr>
+            <a:spLocks noGrp="1"/>
+          </p:cNvSpPr>
+          <p:nvPr>
+            <p:ph type="title"/>
+          </p:nvPr>
+        </p:nvSpPr>
+        <p:spPr/>
+        <p:txBody>
+          <a:bodyPr/>
+          <a:lstStyle/>
+          <a:p>
+            <a:r>
+              <a:rPr lang="en-US" altLang="ko-KR"/>
+              <a:t>Simplified PMOD2BNC</a:t>
+            </a:r>
+            <a:endParaRPr lang="ko-KR" altLang="en-US"/>
+          </a:p>
+        </p:txBody>
+      </p:sp>
+      <p:sp>
+        <p:nvSpPr>
+          <p:cNvPr id="3" name="내용 개체 틀 2">
+            <a:extLst>
+              <a:ext uri="{FF2B5EF4-FFF2-40B4-BE49-F238E27FC236}">
+                <a16:creationId xmlns:a16="http://schemas.microsoft.com/office/drawing/2014/main" id="{BD4AC580-5768-9DE1-CBC9-2BECA6D70F64}"/>
+              </a:ext>
+            </a:extLst>
+          </p:cNvPr>
+          <p:cNvSpPr>
+            <a:spLocks noGrp="1"/>
+          </p:cNvSpPr>
+          <p:nvPr>
+            <p:ph idx="1"/>
+          </p:nvPr>
+        </p:nvSpPr>
+        <p:spPr/>
+        <p:txBody>
+          <a:bodyPr/>
+          <a:lstStyle/>
+          <a:p>
+            <a:pPr marL="0" indent="0">
+              <a:buNone/>
+            </a:pPr>
+            <a:r>
+              <a:rPr lang="en-US" altLang="ko-KR"/>
+              <a:t>-Withtout External Power</a:t>
+            </a:r>
+          </a:p>
+          <a:p>
+            <a:pPr marL="0" indent="0">
+              <a:buNone/>
+            </a:pPr>
+            <a:r>
+              <a:rPr lang="en-US" altLang="ko-KR"/>
+              <a:t>-3.3V to 5V</a:t>
+            </a:r>
+          </a:p>
+          <a:p>
+            <a:pPr marL="0" indent="0">
+              <a:buNone/>
+            </a:pPr>
+            <a:r>
+              <a:rPr lang="en-US" altLang="ko-KR"/>
+              <a:t>-Impedance Select</a:t>
+            </a:r>
+            <a:endParaRPr lang="ko-KR" altLang="en-US"/>
+          </a:p>
+        </p:txBody>
+      </p:sp>
+      <p:sp>
+        <p:nvSpPr>
+          <p:cNvPr id="4" name="날짜 개체 틀 3">
+            <a:extLst>
+              <a:ext uri="{FF2B5EF4-FFF2-40B4-BE49-F238E27FC236}">
+                <a16:creationId xmlns:a16="http://schemas.microsoft.com/office/drawing/2014/main" id="{5BABD38B-A7CA-96FA-40AC-D00B7F45EEF6}"/>
+              </a:ext>
+            </a:extLst>
+          </p:cNvPr>
+          <p:cNvSpPr>
+            <a:spLocks noGrp="1"/>
+          </p:cNvSpPr>
+          <p:nvPr>
+            <p:ph type="dt" sz="half" idx="10"/>
+          </p:nvPr>
+        </p:nvSpPr>
+        <p:spPr/>
+        <p:txBody>
+          <a:bodyPr/>
+          <a:lstStyle/>
+          <a:p>
+            <a:r>
+              <a:rPr kumimoji="1" lang="en-US" altLang="ko-KR">
+                <a:ea typeface="Verdana" panose="020B0604030504040204" pitchFamily="34" charset="0"/>
+              </a:rPr>
+              <a:t>2023. 2. 1.</a:t>
+            </a:r>
+            <a:endParaRPr kumimoji="1" lang="ko-Kore-KR" altLang="en-US" dirty="0"/>
+          </a:p>
+        </p:txBody>
+      </p:sp>
+    </p:spTree>
+    <p:extLst>
+      <p:ext uri="{BB962C8B-B14F-4D97-AF65-F5344CB8AC3E}">
+        <p14:creationId xmlns:p14="http://schemas.microsoft.com/office/powerpoint/2010/main" val="2166140948"/>
       </p:ext>
     </p:extLst>
   </p:cSld>
